--- a/Presentasion/The Art of Ceramics and Jewelry in Vietnamese History.pptx
+++ b/Presentasion/The Art of Ceramics and Jewelry in Vietnamese History.pptx
@@ -806,6 +806,345 @@
 </p:notes>
 </file>
 
+<file path=ppt/notesSlides/notesSlide10.xml><?xml version="1.0" encoding="utf-8"?>
+<p:notes xmlns:a="http://schemas.openxmlformats.org/drawingml/2006/main" xmlns:r="http://schemas.openxmlformats.org/officeDocument/2006/relationships" xmlns:p="http://schemas.openxmlformats.org/presentationml/2006/main">
+  <p:cSld>
+    <p:spTree>
+      <p:nvGrpSpPr>
+        <p:cNvPr id="1" name=""/>
+        <p:cNvGrpSpPr/>
+        <p:nvPr/>
+      </p:nvGrpSpPr>
+      <p:grpSpPr>
+        <a:xfrm>
+          <a:off x="0" y="0"/>
+          <a:ext cx="0" cy="0"/>
+          <a:chOff x="0" y="0"/>
+          <a:chExt cx="0" cy="0"/>
+        </a:xfrm>
+      </p:grpSpPr>
+      <p:sp>
+        <p:nvSpPr>
+          <p:cNvPr id="2" name="Slide Image Placeholder 1"/>
+          <p:cNvSpPr>
+            <a:spLocks noGrp="1" noRot="1" noChangeAspect="1"/>
+          </p:cNvSpPr>
+          <p:nvPr>
+            <p:ph type="sldImg"/>
+          </p:nvPr>
+        </p:nvSpPr>
+        <p:spPr/>
+      </p:sp>
+      <p:sp>
+        <p:nvSpPr>
+          <p:cNvPr id="3" name="Notes Placeholder 2"/>
+          <p:cNvSpPr>
+            <a:spLocks noGrp="1"/>
+          </p:cNvSpPr>
+          <p:nvPr>
+            <p:ph type="body" idx="1"/>
+          </p:nvPr>
+        </p:nvSpPr>
+        <p:spPr/>
+        <p:txBody>
+          <a:bodyPr/>
+          <a:lstStyle/>
+          <a:p>
+            <a:r>
+              <a:rPr lang="vi-VN" sz="1200" b="0" i="0" kern="1200">
+                <a:solidFill>
+                  <a:schemeClr val="tx1"/>
+                </a:solidFill>
+                <a:effectLst/>
+                <a:latin typeface="+mn-lt"/>
+                <a:ea typeface="+mn-ea"/>
+                <a:cs typeface="+mn-cs"/>
+              </a:rPr>
+              <a:t>Đồ gốm: sứ xanh trắng, đồ gốm tráng men nâu, đồ gốm hoàng gia </a:t>
+            </a:r>
+            <a:endParaRPr lang="en-US" sz="1200" b="0" i="0" kern="1200">
+              <a:solidFill>
+                <a:schemeClr val="tx1"/>
+              </a:solidFill>
+              <a:effectLst/>
+              <a:latin typeface="+mn-lt"/>
+              <a:ea typeface="+mn-ea"/>
+              <a:cs typeface="+mn-cs"/>
+            </a:endParaRPr>
+          </a:p>
+          <a:p>
+            <a:r>
+              <a:rPr lang="vi-VN" sz="1200" b="0" i="0" kern="1200">
+                <a:solidFill>
+                  <a:schemeClr val="tx1"/>
+                </a:solidFill>
+                <a:effectLst/>
+                <a:latin typeface="+mn-lt"/>
+                <a:ea typeface="+mn-ea"/>
+                <a:cs typeface="+mn-cs"/>
+              </a:rPr>
+              <a:t>Đồ trang sức: nhẫn, trâm cài tóc, mặt dây chuyền ngọc bích, đồ trang sức hoàng gia </a:t>
+            </a:r>
+            <a:endParaRPr lang="en-US" sz="1200" b="0" i="0" kern="1200">
+              <a:solidFill>
+                <a:schemeClr val="tx1"/>
+              </a:solidFill>
+              <a:effectLst/>
+              <a:latin typeface="+mn-lt"/>
+              <a:ea typeface="+mn-ea"/>
+              <a:cs typeface="+mn-cs"/>
+            </a:endParaRPr>
+          </a:p>
+          <a:p>
+            <a:r>
+              <a:rPr lang="vi-VN" sz="1200" b="0" i="0" kern="1200">
+                <a:solidFill>
+                  <a:schemeClr val="tx1"/>
+                </a:solidFill>
+                <a:effectLst/>
+                <a:latin typeface="+mn-lt"/>
+                <a:ea typeface="+mn-ea"/>
+                <a:cs typeface="+mn-cs"/>
+              </a:rPr>
+              <a:t>Ảnh hưởng: Trung Quốc và Châu Âu → thiết kế đa dạng hơn</a:t>
+            </a:r>
+            <a:endParaRPr lang="en-US"/>
+          </a:p>
+        </p:txBody>
+      </p:sp>
+      <p:sp>
+        <p:nvSpPr>
+          <p:cNvPr id="4" name="Slide Number Placeholder 3"/>
+          <p:cNvSpPr>
+            <a:spLocks noGrp="1"/>
+          </p:cNvSpPr>
+          <p:nvPr>
+            <p:ph type="sldNum" sz="quarter" idx="5"/>
+          </p:nvPr>
+        </p:nvSpPr>
+        <p:spPr/>
+        <p:txBody>
+          <a:bodyPr/>
+          <a:lstStyle/>
+          <a:p>
+            <a:fld id="{6A4FF178-7F5C-4C53-AC97-DF4205D97146}" type="slidenum">
+              <a:rPr lang="de-CH" smtClean="0"/>
+              <a:pPr/>
+              <a:t>13</a:t>
+            </a:fld>
+            <a:endParaRPr lang="de-CH"/>
+          </a:p>
+        </p:txBody>
+      </p:sp>
+    </p:spTree>
+    <p:extLst>
+      <p:ext uri="{BB962C8B-B14F-4D97-AF65-F5344CB8AC3E}">
+        <p14:creationId xmlns:p14="http://schemas.microsoft.com/office/powerpoint/2010/main" val="1963318505"/>
+      </p:ext>
+    </p:extLst>
+  </p:cSld>
+  <p:clrMapOvr>
+    <a:masterClrMapping/>
+  </p:clrMapOvr>
+</p:notes>
+</file>
+
+<file path=ppt/notesSlides/notesSlide11.xml><?xml version="1.0" encoding="utf-8"?>
+<p:notes xmlns:a="http://schemas.openxmlformats.org/drawingml/2006/main" xmlns:r="http://schemas.openxmlformats.org/officeDocument/2006/relationships" xmlns:p="http://schemas.openxmlformats.org/presentationml/2006/main">
+  <p:cSld>
+    <p:spTree>
+      <p:nvGrpSpPr>
+        <p:cNvPr id="1" name=""/>
+        <p:cNvGrpSpPr/>
+        <p:nvPr/>
+      </p:nvGrpSpPr>
+      <p:grpSpPr>
+        <a:xfrm>
+          <a:off x="0" y="0"/>
+          <a:ext cx="0" cy="0"/>
+          <a:chOff x="0" y="0"/>
+          <a:chExt cx="0" cy="0"/>
+        </a:xfrm>
+      </p:grpSpPr>
+      <p:sp>
+        <p:nvSpPr>
+          <p:cNvPr id="2" name="Slide Image Placeholder 1"/>
+          <p:cNvSpPr>
+            <a:spLocks noGrp="1" noRot="1" noChangeAspect="1"/>
+          </p:cNvSpPr>
+          <p:nvPr>
+            <p:ph type="sldImg"/>
+          </p:nvPr>
+        </p:nvSpPr>
+        <p:spPr/>
+      </p:sp>
+      <p:sp>
+        <p:nvSpPr>
+          <p:cNvPr id="3" name="Notes Placeholder 2"/>
+          <p:cNvSpPr>
+            <a:spLocks noGrp="1"/>
+          </p:cNvSpPr>
+          <p:nvPr>
+            <p:ph type="body" idx="1"/>
+          </p:nvPr>
+        </p:nvSpPr>
+        <p:spPr/>
+        <p:txBody>
+          <a:bodyPr/>
+          <a:lstStyle/>
+          <a:p>
+            <a:r>
+              <a:rPr lang="vi-VN" sz="1200" b="0" i="0" kern="1200">
+                <a:solidFill>
+                  <a:schemeClr val="tx1"/>
+                </a:solidFill>
+                <a:effectLst/>
+                <a:latin typeface="+mn-lt"/>
+                <a:ea typeface="+mn-ea"/>
+                <a:cs typeface="+mn-cs"/>
+              </a:rPr>
+              <a:t>Sáng tạo và Thủ công – kỹ thuật tiên tiến qua nhiều thế kỷ </a:t>
+            </a:r>
+            <a:endParaRPr lang="en-US" sz="1200" b="0" i="0" kern="1200">
+              <a:solidFill>
+                <a:schemeClr val="tx1"/>
+              </a:solidFill>
+              <a:effectLst/>
+              <a:latin typeface="+mn-lt"/>
+              <a:ea typeface="+mn-ea"/>
+              <a:cs typeface="+mn-cs"/>
+            </a:endParaRPr>
+          </a:p>
+          <a:p>
+            <a:r>
+              <a:rPr lang="vi-VN" sz="1200" b="0" i="0" kern="1200">
+                <a:solidFill>
+                  <a:schemeClr val="tx1"/>
+                </a:solidFill>
+                <a:effectLst/>
+                <a:latin typeface="+mn-lt"/>
+                <a:ea typeface="+mn-ea"/>
+                <a:cs typeface="+mn-cs"/>
+              </a:rPr>
+              <a:t>Biểu tượng – phản ánh niềm tin, tôn giáo và quyền lực </a:t>
+            </a:r>
+            <a:endParaRPr lang="en-US" sz="1200" b="0" i="0" kern="1200">
+              <a:solidFill>
+                <a:schemeClr val="tx1"/>
+              </a:solidFill>
+              <a:effectLst/>
+              <a:latin typeface="+mn-lt"/>
+              <a:ea typeface="+mn-ea"/>
+              <a:cs typeface="+mn-cs"/>
+            </a:endParaRPr>
+          </a:p>
+          <a:p>
+            <a:r>
+              <a:rPr lang="vi-VN" sz="1200" b="0" i="0" kern="1200">
+                <a:solidFill>
+                  <a:schemeClr val="tx1"/>
+                </a:solidFill>
+                <a:effectLst/>
+                <a:latin typeface="+mn-lt"/>
+                <a:ea typeface="+mn-ea"/>
+                <a:cs typeface="+mn-cs"/>
+              </a:rPr>
+              <a:t>Bản sắc – kết nối quá khứ và hiện tại thông qua di sản văn hóa</a:t>
+            </a:r>
+            <a:endParaRPr lang="en-US" sz="1200" b="0" i="0" kern="1200">
+              <a:solidFill>
+                <a:schemeClr val="tx1"/>
+              </a:solidFill>
+              <a:effectLst/>
+              <a:latin typeface="+mn-lt"/>
+              <a:ea typeface="+mn-ea"/>
+              <a:cs typeface="+mn-cs"/>
+            </a:endParaRPr>
+          </a:p>
+          <a:p>
+            <a:r>
+              <a:rPr lang="vi-VN"/>
+              <a:t>Nghệ thuật gốm và trang sức Việt Nam thể hiện </a:t>
+            </a:r>
+            <a:r>
+              <a:rPr lang="vi-VN" b="1"/>
+              <a:t>sự tinh xảo và sáng tạo</a:t>
+            </a:r>
+            <a:r>
+              <a:rPr lang="vi-VN"/>
+              <a:t> qua kỹ thuật men, chạm khắc, và thiết kế hoa văn giàu biểu tượng như rồng, phượng, hoa sen.</a:t>
+            </a:r>
+          </a:p>
+          <a:p>
+            <a:r>
+              <a:rPr lang="vi-VN"/>
+              <a:t>Chúng không chỉ mang giá trị thẩm mỹ, mà còn </a:t>
+            </a:r>
+            <a:r>
+              <a:rPr lang="vi-VN" b="1"/>
+              <a:t>gắn liền với đời sống và tín ngưỡng</a:t>
+            </a:r>
+            <a:r>
+              <a:rPr lang="vi-VN"/>
+              <a:t>: gốm dùng trong sinh hoạt và thờ cúng, còn trang sức vừa để làm đẹp, vừa thể hiện địa vị và niềm tin tâm linh.</a:t>
+            </a:r>
+          </a:p>
+          <a:p>
+            <a:r>
+              <a:rPr lang="vi-VN"/>
+              <a:t>Đây là </a:t>
+            </a:r>
+            <a:r>
+              <a:rPr lang="vi-VN" b="1"/>
+              <a:t>di sản văn hóa đặc sắc</a:t>
+            </a:r>
+            <a:r>
+              <a:rPr lang="vi-VN"/>
+              <a:t>, phản ánh bản sắc dân tộc và giao thoa văn hóa, nhưng vẫn giữ dấu ấn riêng của người Việt.</a:t>
+            </a:r>
+          </a:p>
+          <a:p>
+            <a:endParaRPr lang="en-US"/>
+          </a:p>
+        </p:txBody>
+      </p:sp>
+      <p:sp>
+        <p:nvSpPr>
+          <p:cNvPr id="4" name="Slide Number Placeholder 3"/>
+          <p:cNvSpPr>
+            <a:spLocks noGrp="1"/>
+          </p:cNvSpPr>
+          <p:nvPr>
+            <p:ph type="sldNum" sz="quarter" idx="5"/>
+          </p:nvPr>
+        </p:nvSpPr>
+        <p:spPr/>
+        <p:txBody>
+          <a:bodyPr/>
+          <a:lstStyle/>
+          <a:p>
+            <a:fld id="{6A4FF178-7F5C-4C53-AC97-DF4205D97146}" type="slidenum">
+              <a:rPr lang="de-CH" smtClean="0"/>
+              <a:pPr/>
+              <a:t>14</a:t>
+            </a:fld>
+            <a:endParaRPr lang="de-CH"/>
+          </a:p>
+        </p:txBody>
+      </p:sp>
+    </p:spTree>
+    <p:extLst>
+      <p:ext uri="{BB962C8B-B14F-4D97-AF65-F5344CB8AC3E}">
+        <p14:creationId xmlns:p14="http://schemas.microsoft.com/office/powerpoint/2010/main" val="618257160"/>
+      </p:ext>
+    </p:extLst>
+  </p:cSld>
+  <p:clrMapOvr>
+    <a:masterClrMapping/>
+  </p:clrMapOvr>
+</p:notes>
+</file>
+
 <file path=ppt/notesSlides/notesSlide2.xml><?xml version="1.0" encoding="utf-8"?>
 <p:notes xmlns:a="http://schemas.openxmlformats.org/drawingml/2006/main" xmlns:r="http://schemas.openxmlformats.org/officeDocument/2006/relationships" xmlns:p="http://schemas.openxmlformats.org/presentationml/2006/main">
   <p:cSld>
@@ -935,6 +1274,34 @@
           <a:bodyPr/>
           <a:lstStyle/>
           <a:p>
+            <a:r>
+              <a:rPr lang="vi-VN"/>
+              <a:t>“Sau chuyến tham quan tại Bảo tàng Lịch sử Việt Nam, </a:t>
+            </a:r>
+            <a:r>
+              <a:rPr lang="en-US"/>
+              <a:t>em</a:t>
+            </a:r>
+            <a:r>
+              <a:rPr lang="vi-VN"/>
+              <a:t> đã có cơ hội tìm hiểu nhiều hiện vật quý giá. Trong đó, gốm và trang sức là hai loại hình nghệ thuật gây ấn tượng mạnh với tôi. Vì vậy, </a:t>
+            </a:r>
+            <a:r>
+              <a:rPr lang="en-US"/>
+              <a:t>em</a:t>
+            </a:r>
+            <a:r>
+              <a:rPr lang="vi-VN"/>
+              <a:t> chọn đề tài </a:t>
+            </a:r>
+            <a:r>
+              <a:rPr lang="vi-VN" i="1"/>
+              <a:t>‘Nghệ thuật gốm và trang sức trong lịch sử Việt Nam’</a:t>
+            </a:r>
+            <a:r>
+              <a:rPr lang="vi-VN"/>
+              <a:t> để trình bày hôm nay.”</a:t>
+            </a:r>
             <a:endParaRPr lang="de-CH"/>
           </a:p>
         </p:txBody>
@@ -1020,6 +1387,18 @@
           <a:bodyPr/>
           <a:lstStyle/>
           <a:p>
+            <a:r>
+              <a:rPr lang="en-US" sz="1200" b="0" i="0" kern="1200">
+                <a:solidFill>
+                  <a:schemeClr val="tx1"/>
+                </a:solidFill>
+                <a:effectLst/>
+                <a:latin typeface="+mn-lt"/>
+                <a:ea typeface="+mn-ea"/>
+                <a:cs typeface="+mn-cs"/>
+              </a:rPr>
+              <a:t>Giới thiệu Thời kỳ Tiền sử Văn hóa Champa &amp; Óc Eo Triều Lý &amp; Trần Triều Lê &amp; Nguyễn Giá trị Văn hóa và Nghệ thuật Hỏi &amp; Đáp</a:t>
+            </a:r>
             <a:endParaRPr lang="en-GB" noProof="0"/>
           </a:p>
         </p:txBody>
@@ -1190,6 +1569,64 @@
           <a:bodyPr/>
           <a:lstStyle/>
           <a:p>
+            <a:r>
+              <a:rPr lang="vi-VN" sz="1200" b="0" i="0" kern="1200">
+                <a:solidFill>
+                  <a:schemeClr val="tx1"/>
+                </a:solidFill>
+                <a:effectLst/>
+                <a:latin typeface="+mn-lt"/>
+                <a:ea typeface="+mn-ea"/>
+                <a:cs typeface="+mn-cs"/>
+              </a:rPr>
+              <a:t>Lịch sử Việt Nam phản ánh qua nghệ thuật và hiện vật </a:t>
+            </a:r>
+            <a:endParaRPr lang="en-US" sz="1200" b="0" i="0" kern="1200">
+              <a:solidFill>
+                <a:schemeClr val="tx1"/>
+              </a:solidFill>
+              <a:effectLst/>
+              <a:latin typeface="+mn-lt"/>
+              <a:ea typeface="+mn-ea"/>
+              <a:cs typeface="+mn-cs"/>
+            </a:endParaRPr>
+          </a:p>
+          <a:p>
+            <a:r>
+              <a:rPr lang="vi-VN" sz="1200" b="0" i="0" kern="1200">
+                <a:solidFill>
+                  <a:schemeClr val="tx1"/>
+                </a:solidFill>
+                <a:effectLst/>
+                <a:latin typeface="+mn-lt"/>
+                <a:ea typeface="+mn-ea"/>
+                <a:cs typeface="+mn-cs"/>
+              </a:rPr>
+              <a:t>Gốm sứ và trang sức: vật dụng thường ngày, nhưng cũng là biểu tượng văn hóa </a:t>
+            </a:r>
+            <a:endParaRPr lang="en-US" sz="1200" b="0" i="0" kern="1200">
+              <a:solidFill>
+                <a:schemeClr val="tx1"/>
+              </a:solidFill>
+              <a:effectLst/>
+              <a:latin typeface="+mn-lt"/>
+              <a:ea typeface="+mn-ea"/>
+              <a:cs typeface="+mn-cs"/>
+            </a:endParaRPr>
+          </a:p>
+          <a:p>
+            <a:r>
+              <a:rPr lang="vi-VN" sz="1200" b="0" i="0" kern="1200">
+                <a:solidFill>
+                  <a:schemeClr val="tx1"/>
+                </a:solidFill>
+                <a:effectLst/>
+                <a:latin typeface="+mn-lt"/>
+                <a:ea typeface="+mn-ea"/>
+                <a:cs typeface="+mn-cs"/>
+              </a:rPr>
+              <a:t>Được lưu giữ tại Bảo tàng Lịch sử Thành phố Hồ Chí Minh</a:t>
+            </a:r>
             <a:endParaRPr lang="en-US"/>
           </a:p>
         </p:txBody>
@@ -1212,7 +1649,7 @@
             <a:fld id="{6A4FF178-7F5C-4C53-AC97-DF4205D97146}" type="slidenum">
               <a:rPr lang="de-CH" smtClean="0"/>
               <a:pPr/>
-              <a:t>14</a:t>
+              <a:t>6</a:t>
             </a:fld>
             <a:endParaRPr lang="de-CH"/>
           </a:p>
@@ -1221,7 +1658,436 @@
     </p:spTree>
     <p:extLst>
       <p:ext uri="{BB962C8B-B14F-4D97-AF65-F5344CB8AC3E}">
-        <p14:creationId xmlns:p14="http://schemas.microsoft.com/office/powerpoint/2010/main" val="618257160"/>
+        <p14:creationId xmlns:p14="http://schemas.microsoft.com/office/powerpoint/2010/main" val="648349969"/>
+      </p:ext>
+    </p:extLst>
+  </p:cSld>
+  <p:clrMapOvr>
+    <a:masterClrMapping/>
+  </p:clrMapOvr>
+</p:notes>
+</file>
+
+<file path=ppt/notesSlides/notesSlide7.xml><?xml version="1.0" encoding="utf-8"?>
+<p:notes xmlns:a="http://schemas.openxmlformats.org/drawingml/2006/main" xmlns:r="http://schemas.openxmlformats.org/officeDocument/2006/relationships" xmlns:p="http://schemas.openxmlformats.org/presentationml/2006/main">
+  <p:cSld>
+    <p:spTree>
+      <p:nvGrpSpPr>
+        <p:cNvPr id="1" name=""/>
+        <p:cNvGrpSpPr/>
+        <p:nvPr/>
+      </p:nvGrpSpPr>
+      <p:grpSpPr>
+        <a:xfrm>
+          <a:off x="0" y="0"/>
+          <a:ext cx="0" cy="0"/>
+          <a:chOff x="0" y="0"/>
+          <a:chExt cx="0" cy="0"/>
+        </a:xfrm>
+      </p:grpSpPr>
+      <p:sp>
+        <p:nvSpPr>
+          <p:cNvPr id="2" name="Slide Image Placeholder 1"/>
+          <p:cNvSpPr>
+            <a:spLocks noGrp="1" noRot="1" noChangeAspect="1"/>
+          </p:cNvSpPr>
+          <p:nvPr>
+            <p:ph type="sldImg"/>
+          </p:nvPr>
+        </p:nvSpPr>
+        <p:spPr/>
+      </p:sp>
+      <p:sp>
+        <p:nvSpPr>
+          <p:cNvPr id="3" name="Notes Placeholder 2"/>
+          <p:cNvSpPr>
+            <a:spLocks noGrp="1"/>
+          </p:cNvSpPr>
+          <p:nvPr>
+            <p:ph type="body" idx="1"/>
+          </p:nvPr>
+        </p:nvSpPr>
+        <p:spPr/>
+        <p:txBody>
+          <a:bodyPr/>
+          <a:lstStyle/>
+          <a:p>
+            <a:r>
+              <a:rPr lang="vi-VN" sz="1200" b="0" i="0" kern="1200">
+                <a:solidFill>
+                  <a:schemeClr val="tx1"/>
+                </a:solidFill>
+                <a:effectLst/>
+                <a:latin typeface="+mn-lt"/>
+                <a:ea typeface="+mn-ea"/>
+                <a:cs typeface="+mn-cs"/>
+              </a:rPr>
+              <a:t>Đồ gốm thời kỳ đầu: thủ công, hình khối đơn giản, họa tiết hình học </a:t>
+            </a:r>
+            <a:endParaRPr lang="en-US" sz="1200" b="0" i="0" kern="1200">
+              <a:solidFill>
+                <a:schemeClr val="tx1"/>
+              </a:solidFill>
+              <a:effectLst/>
+              <a:latin typeface="+mn-lt"/>
+              <a:ea typeface="+mn-ea"/>
+              <a:cs typeface="+mn-cs"/>
+            </a:endParaRPr>
+          </a:p>
+          <a:p>
+            <a:r>
+              <a:rPr lang="vi-VN" sz="1200" b="0" i="0" kern="1200">
+                <a:solidFill>
+                  <a:schemeClr val="tx1"/>
+                </a:solidFill>
+                <a:effectLst/>
+                <a:latin typeface="+mn-lt"/>
+                <a:ea typeface="+mn-ea"/>
+                <a:cs typeface="+mn-cs"/>
+              </a:rPr>
+              <a:t>Đồ trang trí: chuỗi hạt đá, khuyên tai ngọc bích, vòng cổ vỏ sò </a:t>
+            </a:r>
+            <a:endParaRPr lang="en-US" sz="1200" b="0" i="0" kern="1200">
+              <a:solidFill>
+                <a:schemeClr val="tx1"/>
+              </a:solidFill>
+              <a:effectLst/>
+              <a:latin typeface="+mn-lt"/>
+              <a:ea typeface="+mn-ea"/>
+              <a:cs typeface="+mn-cs"/>
+            </a:endParaRPr>
+          </a:p>
+          <a:p>
+            <a:r>
+              <a:rPr lang="vi-VN" sz="1200" b="0" i="0" kern="1200">
+                <a:solidFill>
+                  <a:schemeClr val="tx1"/>
+                </a:solidFill>
+                <a:effectLst/>
+                <a:latin typeface="+mn-lt"/>
+                <a:ea typeface="+mn-ea"/>
+                <a:cs typeface="+mn-cs"/>
+              </a:rPr>
+              <a:t>Văn hóa: Đông Sơn (trống đồng), Sa Huỳnh ( khuyên tai)</a:t>
+            </a:r>
+            <a:endParaRPr lang="en-US"/>
+          </a:p>
+        </p:txBody>
+      </p:sp>
+      <p:sp>
+        <p:nvSpPr>
+          <p:cNvPr id="4" name="Slide Number Placeholder 3"/>
+          <p:cNvSpPr>
+            <a:spLocks noGrp="1"/>
+          </p:cNvSpPr>
+          <p:nvPr>
+            <p:ph type="sldNum" sz="quarter" idx="5"/>
+          </p:nvPr>
+        </p:nvSpPr>
+        <p:spPr/>
+        <p:txBody>
+          <a:bodyPr/>
+          <a:lstStyle/>
+          <a:p>
+            <a:fld id="{6A4FF178-7F5C-4C53-AC97-DF4205D97146}" type="slidenum">
+              <a:rPr lang="de-CH" smtClean="0"/>
+              <a:pPr/>
+              <a:t>7</a:t>
+            </a:fld>
+            <a:endParaRPr lang="de-CH"/>
+          </a:p>
+        </p:txBody>
+      </p:sp>
+    </p:spTree>
+    <p:extLst>
+      <p:ext uri="{BB962C8B-B14F-4D97-AF65-F5344CB8AC3E}">
+        <p14:creationId xmlns:p14="http://schemas.microsoft.com/office/powerpoint/2010/main" val="613212243"/>
+      </p:ext>
+    </p:extLst>
+  </p:cSld>
+  <p:clrMapOvr>
+    <a:masterClrMapping/>
+  </p:clrMapOvr>
+</p:notes>
+</file>
+
+<file path=ppt/notesSlides/notesSlide8.xml><?xml version="1.0" encoding="utf-8"?>
+<p:notes xmlns:a="http://schemas.openxmlformats.org/drawingml/2006/main" xmlns:r="http://schemas.openxmlformats.org/officeDocument/2006/relationships" xmlns:p="http://schemas.openxmlformats.org/presentationml/2006/main">
+  <p:cSld>
+    <p:spTree>
+      <p:nvGrpSpPr>
+        <p:cNvPr id="1" name=""/>
+        <p:cNvGrpSpPr/>
+        <p:nvPr/>
+      </p:nvGrpSpPr>
+      <p:grpSpPr>
+        <a:xfrm>
+          <a:off x="0" y="0"/>
+          <a:ext cx="0" cy="0"/>
+          <a:chOff x="0" y="0"/>
+          <a:chExt cx="0" cy="0"/>
+        </a:xfrm>
+      </p:grpSpPr>
+      <p:sp>
+        <p:nvSpPr>
+          <p:cNvPr id="2" name="Slide Image Placeholder 1"/>
+          <p:cNvSpPr>
+            <a:spLocks noGrp="1" noRot="1" noChangeAspect="1"/>
+          </p:cNvSpPr>
+          <p:nvPr>
+            <p:ph type="sldImg"/>
+          </p:nvPr>
+        </p:nvSpPr>
+        <p:spPr/>
+      </p:sp>
+      <p:sp>
+        <p:nvSpPr>
+          <p:cNvPr id="3" name="Notes Placeholder 2"/>
+          <p:cNvSpPr>
+            <a:spLocks noGrp="1"/>
+          </p:cNvSpPr>
+          <p:nvPr>
+            <p:ph type="body" idx="1"/>
+          </p:nvPr>
+        </p:nvSpPr>
+        <p:spPr/>
+        <p:txBody>
+          <a:bodyPr/>
+          <a:lstStyle/>
+          <a:p>
+            <a:r>
+              <a:rPr lang="vi-VN" sz="1200" b="0" i="0" kern="1200">
+                <a:solidFill>
+                  <a:schemeClr val="tx1"/>
+                </a:solidFill>
+                <a:effectLst/>
+                <a:latin typeface="+mn-lt"/>
+                <a:ea typeface="+mn-ea"/>
+                <a:cs typeface="+mn-cs"/>
+              </a:rPr>
+              <a:t>Đồ gốm: đơn giản, tiện dụng, chịu ảnh hưởng của Ấn Độ và Phật giáo</a:t>
+            </a:r>
+            <a:endParaRPr lang="en-US" sz="1200" b="0" i="0" kern="1200">
+              <a:solidFill>
+                <a:schemeClr val="tx1"/>
+              </a:solidFill>
+              <a:effectLst/>
+              <a:latin typeface="+mn-lt"/>
+              <a:ea typeface="+mn-ea"/>
+              <a:cs typeface="+mn-cs"/>
+            </a:endParaRPr>
+          </a:p>
+          <a:p>
+            <a:r>
+              <a:rPr lang="vi-VN" sz="1200" b="0" i="0" kern="1200">
+                <a:solidFill>
+                  <a:schemeClr val="tx1"/>
+                </a:solidFill>
+                <a:effectLst/>
+                <a:latin typeface="+mn-lt"/>
+                <a:ea typeface="+mn-ea"/>
+                <a:cs typeface="+mn-cs"/>
+              </a:rPr>
+              <a:t> Trang sức: nhẫn vàng, mặt dây chuyền đá quý, khuyên tai lớn</a:t>
+            </a:r>
+            <a:endParaRPr lang="en-US" sz="1200" b="0" i="0" kern="1200">
+              <a:solidFill>
+                <a:schemeClr val="tx1"/>
+              </a:solidFill>
+              <a:effectLst/>
+              <a:latin typeface="+mn-lt"/>
+              <a:ea typeface="+mn-ea"/>
+              <a:cs typeface="+mn-cs"/>
+            </a:endParaRPr>
+          </a:p>
+          <a:p>
+            <a:r>
+              <a:rPr lang="vi-VN" sz="1200" b="0" i="0" kern="1200">
+                <a:solidFill>
+                  <a:schemeClr val="tx1"/>
+                </a:solidFill>
+                <a:effectLst/>
+                <a:latin typeface="+mn-lt"/>
+                <a:ea typeface="+mn-ea"/>
+                <a:cs typeface="+mn-cs"/>
+              </a:rPr>
+              <a:t> Điểm nổi bật: Trang sức vàng Óc Eo, điêu khắc Champa</a:t>
+            </a:r>
+            <a:endParaRPr lang="en-US"/>
+          </a:p>
+        </p:txBody>
+      </p:sp>
+      <p:sp>
+        <p:nvSpPr>
+          <p:cNvPr id="4" name="Slide Number Placeholder 3"/>
+          <p:cNvSpPr>
+            <a:spLocks noGrp="1"/>
+          </p:cNvSpPr>
+          <p:nvPr>
+            <p:ph type="sldNum" sz="quarter" idx="5"/>
+          </p:nvPr>
+        </p:nvSpPr>
+        <p:spPr/>
+        <p:txBody>
+          <a:bodyPr/>
+          <a:lstStyle/>
+          <a:p>
+            <a:fld id="{6A4FF178-7F5C-4C53-AC97-DF4205D97146}" type="slidenum">
+              <a:rPr lang="de-CH" smtClean="0"/>
+              <a:pPr/>
+              <a:t>8</a:t>
+            </a:fld>
+            <a:endParaRPr lang="de-CH"/>
+          </a:p>
+        </p:txBody>
+      </p:sp>
+    </p:spTree>
+    <p:extLst>
+      <p:ext uri="{BB962C8B-B14F-4D97-AF65-F5344CB8AC3E}">
+        <p14:creationId xmlns:p14="http://schemas.microsoft.com/office/powerpoint/2010/main" val="2171069266"/>
+      </p:ext>
+    </p:extLst>
+  </p:cSld>
+  <p:clrMapOvr>
+    <a:masterClrMapping/>
+  </p:clrMapOvr>
+</p:notes>
+</file>
+
+<file path=ppt/notesSlides/notesSlide9.xml><?xml version="1.0" encoding="utf-8"?>
+<p:notes xmlns:a="http://schemas.openxmlformats.org/drawingml/2006/main" xmlns:r="http://schemas.openxmlformats.org/officeDocument/2006/relationships" xmlns:p="http://schemas.openxmlformats.org/presentationml/2006/main">
+  <p:cSld>
+    <p:spTree>
+      <p:nvGrpSpPr>
+        <p:cNvPr id="1" name=""/>
+        <p:cNvGrpSpPr/>
+        <p:nvPr/>
+      </p:nvGrpSpPr>
+      <p:grpSpPr>
+        <a:xfrm>
+          <a:off x="0" y="0"/>
+          <a:ext cx="0" cy="0"/>
+          <a:chOff x="0" y="0"/>
+          <a:chExt cx="0" cy="0"/>
+        </a:xfrm>
+      </p:grpSpPr>
+      <p:sp>
+        <p:nvSpPr>
+          <p:cNvPr id="2" name="Slide Image Placeholder 1"/>
+          <p:cNvSpPr>
+            <a:spLocks noGrp="1" noRot="1" noChangeAspect="1"/>
+          </p:cNvSpPr>
+          <p:nvPr>
+            <p:ph type="sldImg"/>
+          </p:nvPr>
+        </p:nvSpPr>
+        <p:spPr/>
+      </p:sp>
+      <p:sp>
+        <p:nvSpPr>
+          <p:cNvPr id="3" name="Notes Placeholder 2"/>
+          <p:cNvSpPr>
+            <a:spLocks noGrp="1"/>
+          </p:cNvSpPr>
+          <p:nvPr>
+            <p:ph type="body" idx="1"/>
+          </p:nvPr>
+        </p:nvSpPr>
+        <p:spPr/>
+        <p:txBody>
+          <a:bodyPr/>
+          <a:lstStyle/>
+          <a:p>
+            <a:r>
+              <a:rPr lang="vi-VN" sz="1200" b="0" i="0" kern="1200">
+                <a:solidFill>
+                  <a:schemeClr val="tx1"/>
+                </a:solidFill>
+                <a:effectLst/>
+                <a:latin typeface="+mn-lt"/>
+                <a:ea typeface="+mn-ea"/>
+                <a:cs typeface="+mn-cs"/>
+              </a:rPr>
+              <a:t>Đồ gốm: men ngọc, trắng xanh, họa tiết hoa sen và rồng </a:t>
+            </a:r>
+            <a:endParaRPr lang="en-US" sz="1200" b="0" i="0" kern="1200">
+              <a:solidFill>
+                <a:schemeClr val="tx1"/>
+              </a:solidFill>
+              <a:effectLst/>
+              <a:latin typeface="+mn-lt"/>
+              <a:ea typeface="+mn-ea"/>
+              <a:cs typeface="+mn-cs"/>
+            </a:endParaRPr>
+          </a:p>
+          <a:p>
+            <a:r>
+              <a:rPr lang="vi-VN" sz="1200" b="0" i="0" kern="1200">
+                <a:solidFill>
+                  <a:schemeClr val="tx1"/>
+                </a:solidFill>
+                <a:effectLst/>
+                <a:latin typeface="+mn-lt"/>
+                <a:ea typeface="+mn-ea"/>
+                <a:cs typeface="+mn-cs"/>
+              </a:rPr>
+              <a:t>Trang sức: vàng và bạc, chạm khắc tinh xảo, trang sức ngọc trai </a:t>
+            </a:r>
+            <a:endParaRPr lang="en-US" sz="1200" b="0" i="0" kern="1200">
+              <a:solidFill>
+                <a:schemeClr val="tx1"/>
+              </a:solidFill>
+              <a:effectLst/>
+              <a:latin typeface="+mn-lt"/>
+              <a:ea typeface="+mn-ea"/>
+              <a:cs typeface="+mn-cs"/>
+            </a:endParaRPr>
+          </a:p>
+          <a:p>
+            <a:r>
+              <a:rPr lang="vi-VN" sz="1200" b="0" i="0" kern="1200">
+                <a:solidFill>
+                  <a:schemeClr val="tx1"/>
+                </a:solidFill>
+                <a:effectLst/>
+                <a:latin typeface="+mn-lt"/>
+                <a:ea typeface="+mn-ea"/>
+                <a:cs typeface="+mn-cs"/>
+              </a:rPr>
+              <a:t>Ảnh hưởng mạnh mẽ của Phật giáo → họa tiết hoa sen và phượng hoàng</a:t>
+            </a:r>
+            <a:endParaRPr lang="en-US"/>
+          </a:p>
+        </p:txBody>
+      </p:sp>
+      <p:sp>
+        <p:nvSpPr>
+          <p:cNvPr id="4" name="Slide Number Placeholder 3"/>
+          <p:cNvSpPr>
+            <a:spLocks noGrp="1"/>
+          </p:cNvSpPr>
+          <p:nvPr>
+            <p:ph type="sldNum" sz="quarter" idx="5"/>
+          </p:nvPr>
+        </p:nvSpPr>
+        <p:spPr/>
+        <p:txBody>
+          <a:bodyPr/>
+          <a:lstStyle/>
+          <a:p>
+            <a:fld id="{6A4FF178-7F5C-4C53-AC97-DF4205D97146}" type="slidenum">
+              <a:rPr lang="de-CH" smtClean="0"/>
+              <a:pPr/>
+              <a:t>10</a:t>
+            </a:fld>
+            <a:endParaRPr lang="de-CH"/>
+          </a:p>
+        </p:txBody>
+      </p:sp>
+    </p:spTree>
+    <p:extLst>
+      <p:ext uri="{BB962C8B-B14F-4D97-AF65-F5344CB8AC3E}">
+        <p14:creationId xmlns:p14="http://schemas.microsoft.com/office/powerpoint/2010/main" val="235797257"/>
       </p:ext>
     </p:extLst>
   </p:cSld>
@@ -14763,7 +15629,7 @@
           <p:nvPr/>
         </p:nvPicPr>
         <p:blipFill>
-          <a:blip r:embed="rId2" cstate="screen">
+          <a:blip r:embed="rId3" cstate="screen">
             <a:extLst>
               <a:ext uri="{28A0092B-C50C-407E-A947-70E740481C1C}">
                 <a14:useLocalDpi xmlns:a14="http://schemas.microsoft.com/office/drawing/2010/main"/>
@@ -15515,7 +16381,7 @@
           <p:nvPr/>
         </p:nvPicPr>
         <p:blipFill>
-          <a:blip r:embed="rId2" cstate="screen">
+          <a:blip r:embed="rId3" cstate="screen">
             <a:extLst>
               <a:ext uri="{28A0092B-C50C-407E-A947-70E740481C1C}">
                 <a14:useLocalDpi xmlns:a14="http://schemas.microsoft.com/office/drawing/2010/main"/>
@@ -15551,7 +16417,7 @@
           <p:nvPr/>
         </p:nvPicPr>
         <p:blipFill>
-          <a:blip r:embed="rId3"/>
+          <a:blip r:embed="rId4"/>
           <a:stretch>
             <a:fillRect/>
           </a:stretch>
@@ -16925,7 +17791,7 @@
           </p:nvPr>
         </p:nvPicPr>
         <p:blipFill>
-          <a:blip r:embed="rId2" cstate="screen">
+          <a:blip r:embed="rId3" cstate="screen">
             <a:extLst>
               <a:ext uri="{28A0092B-C50C-407E-A947-70E740481C1C}">
                 <a14:useLocalDpi xmlns:a14="http://schemas.microsoft.com/office/drawing/2010/main"/>
@@ -17086,7 +17952,7 @@
           <p:nvPr/>
         </p:nvPicPr>
         <p:blipFill>
-          <a:blip r:embed="rId2">
+          <a:blip r:embed="rId3">
             <a:extLst>
               <a:ext uri="{28A0092B-C50C-407E-A947-70E740481C1C}">
                 <a14:useLocalDpi xmlns:a14="http://schemas.microsoft.com/office/drawing/2010/main"/>
@@ -17178,7 +18044,7 @@
           <p:nvPr/>
         </p:nvPicPr>
         <p:blipFill>
-          <a:blip r:embed="rId3" cstate="screen">
+          <a:blip r:embed="rId4" cstate="screen">
             <a:extLst>
               <a:ext uri="{28A0092B-C50C-407E-A947-70E740481C1C}">
                 <a14:useLocalDpi xmlns:a14="http://schemas.microsoft.com/office/drawing/2010/main"/>
@@ -17383,7 +18249,7 @@
           <p:nvPr/>
         </p:nvPicPr>
         <p:blipFill>
-          <a:blip r:embed="rId2" cstate="screen">
+          <a:blip r:embed="rId3" cstate="screen">
             <a:extLst>
               <a:ext uri="{28A0092B-C50C-407E-A947-70E740481C1C}">
                 <a14:useLocalDpi xmlns:a14="http://schemas.microsoft.com/office/drawing/2010/main"/>
@@ -17520,7 +18386,7 @@
           <p:nvPr/>
         </p:nvPicPr>
         <p:blipFill>
-          <a:blip r:embed="rId3" cstate="screen">
+          <a:blip r:embed="rId4" cstate="screen">
             <a:extLst>
               <a:ext uri="{28A0092B-C50C-407E-A947-70E740481C1C}">
                 <a14:useLocalDpi xmlns:a14="http://schemas.microsoft.com/office/drawing/2010/main"/>
@@ -18860,15 +19726,6 @@
 </file>
 
 <file path=customXml/item1.xml><?xml version="1.0" encoding="utf-8"?>
-<?mso-contentType ?>
-<FormTemplates xmlns="http://schemas.microsoft.com/sharepoint/v3/contenttype/forms">
-  <Display>DocumentLibraryForm</Display>
-  <Edit>DocumentLibraryForm</Edit>
-  <New>DocumentLibraryForm</New>
-</FormTemplates>
-</file>
-
-<file path=customXml/item2.xml><?xml version="1.0" encoding="utf-8"?>
 <ct:contentTypeSchema xmlns:ct="http://schemas.microsoft.com/office/2006/metadata/contentType" xmlns:ma="http://schemas.microsoft.com/office/2006/metadata/properties/metaAttributes" ct:_="" ma:_="" ma:contentTypeName="Document" ma:contentTypeID="0x010100AFECA5C03B5B3648A59C327F9B592BCA" ma:contentTypeVersion="18" ma:contentTypeDescription="Create a new document." ma:contentTypeScope="" ma:versionID="6c18a499376fe99d18d064f593f17266">
   <xsd:schema xmlns:xsd="http://www.w3.org/2001/XMLSchema" xmlns:xs="http://www.w3.org/2001/XMLSchema" xmlns:p="http://schemas.microsoft.com/office/2006/metadata/properties" xmlns:ns2="ab110e31-9a28-463c-b599-9105678ef09e" xmlns:ns3="b416dfb7-f3da-461d-9305-4b76a01efcc1" targetNamespace="http://schemas.microsoft.com/office/2006/metadata/properties" ma:root="true" ma:fieldsID="c0ea90f0bc4730787fb2734bd82545d6" ns2:_="" ns3:_="">
     <xsd:import namespace="ab110e31-9a28-463c-b599-9105678ef09e"/>
@@ -19117,15 +19974,16 @@
 </ct:contentTypeSchema>
 </file>
 
-<file path=customXml/itemProps1.xml><?xml version="1.0" encoding="utf-8"?>
-<ds:datastoreItem xmlns:ds="http://schemas.openxmlformats.org/officeDocument/2006/customXml" ds:itemID="{E3CB484D-016C-43DE-886B-249507DD658A}">
-  <ds:schemaRefs>
-    <ds:schemaRef ds:uri="http://schemas.microsoft.com/sharepoint/v3/contenttype/forms"/>
-  </ds:schemaRefs>
-</ds:datastoreItem>
+<file path=customXml/item2.xml><?xml version="1.0" encoding="utf-8"?>
+<?mso-contentType ?>
+<FormTemplates xmlns="http://schemas.microsoft.com/sharepoint/v3/contenttype/forms">
+  <Display>DocumentLibraryForm</Display>
+  <Edit>DocumentLibraryForm</Edit>
+  <New>DocumentLibraryForm</New>
+</FormTemplates>
 </file>
 
-<file path=customXml/itemProps2.xml><?xml version="1.0" encoding="utf-8"?>
+<file path=customXml/itemProps1.xml><?xml version="1.0" encoding="utf-8"?>
 <ds:datastoreItem xmlns:ds="http://schemas.openxmlformats.org/officeDocument/2006/customXml" ds:itemID="{30C702D9-9E55-4D09-9269-3B464CFDB013}">
   <ds:schemaRefs>
     <ds:schemaRef ds:uri="http://schemas.microsoft.com/office/2006/metadata/contentType"/>
@@ -19142,4 +20000,12 @@
     <ds:schemaRef ds:uri="http://schemas.microsoft.com/internal/obd"/>
   </ds:schemaRefs>
 </ds:datastoreItem>
+</file>
+
+<file path=customXml/itemProps2.xml><?xml version="1.0" encoding="utf-8"?>
+<ds:datastoreItem xmlns:ds="http://schemas.openxmlformats.org/officeDocument/2006/customXml" ds:itemID="{E3CB484D-016C-43DE-886B-249507DD658A}">
+  <ds:schemaRefs>
+    <ds:schemaRef ds:uri="http://schemas.microsoft.com/sharepoint/v3/contenttype/forms"/>
+  </ds:schemaRefs>
+</ds:datastoreItem>
 </file>